--- a/bars_ppt.pptx
+++ b/bars_ppt.pptx
@@ -117,6 +117,11 @@
       </a:defRPr>
     </a:lvl9pPr>
   </p:defaultTextStyle>
+  <p:extLst>
+    <p:ext uri="{EFAFB233-063F-42B5-8137-9DF3F51BA10A}">
+      <p15:sldGuideLst xmlns:p15="http://schemas.microsoft.com/office/powerpoint/2012/main"/>
+    </p:ext>
+  </p:extLst>
 </p:presentation>
 </file>
 
@@ -202,7 +207,7 @@
           <a:p>
             <a:fld id="{3A00E2BF-6EB7-2247-B584-CE5E7260DD4C}" type="datetimeFigureOut">
               <a:rPr lang="en-US" smtClean="0"/>
-              <a:t>10/17/18</a:t>
+              <a:t>10/18/18</a:t>
             </a:fld>
             <a:endParaRPr lang="en-US"/>
           </a:p>
@@ -1540,7 +1545,7 @@
           <a:p>
             <a:fld id="{00199B59-54F3-BA45-B4DB-BA8713EED6A6}" type="datetimeFigureOut">
               <a:rPr lang="en-US" smtClean="0"/>
-              <a:t>10/17/18</a:t>
+              <a:t>10/18/18</a:t>
             </a:fld>
             <a:endParaRPr lang="en-US"/>
           </a:p>
@@ -1738,7 +1743,7 @@
           <a:p>
             <a:fld id="{00199B59-54F3-BA45-B4DB-BA8713EED6A6}" type="datetimeFigureOut">
               <a:rPr lang="en-US" smtClean="0"/>
-              <a:t>10/17/18</a:t>
+              <a:t>10/18/18</a:t>
             </a:fld>
             <a:endParaRPr lang="en-US"/>
           </a:p>
@@ -1946,7 +1951,7 @@
           <a:p>
             <a:fld id="{00199B59-54F3-BA45-B4DB-BA8713EED6A6}" type="datetimeFigureOut">
               <a:rPr lang="en-US" smtClean="0"/>
-              <a:t>10/17/18</a:t>
+              <a:t>10/18/18</a:t>
             </a:fld>
             <a:endParaRPr lang="en-US"/>
           </a:p>
@@ -2144,7 +2149,7 @@
           <a:p>
             <a:fld id="{00199B59-54F3-BA45-B4DB-BA8713EED6A6}" type="datetimeFigureOut">
               <a:rPr lang="en-US" smtClean="0"/>
-              <a:t>10/17/18</a:t>
+              <a:t>10/18/18</a:t>
             </a:fld>
             <a:endParaRPr lang="en-US"/>
           </a:p>
@@ -2419,7 +2424,7 @@
           <a:p>
             <a:fld id="{00199B59-54F3-BA45-B4DB-BA8713EED6A6}" type="datetimeFigureOut">
               <a:rPr lang="en-US" smtClean="0"/>
-              <a:t>10/17/18</a:t>
+              <a:t>10/18/18</a:t>
             </a:fld>
             <a:endParaRPr lang="en-US"/>
           </a:p>
@@ -2684,7 +2689,7 @@
           <a:p>
             <a:fld id="{00199B59-54F3-BA45-B4DB-BA8713EED6A6}" type="datetimeFigureOut">
               <a:rPr lang="en-US" smtClean="0"/>
-              <a:t>10/17/18</a:t>
+              <a:t>10/18/18</a:t>
             </a:fld>
             <a:endParaRPr lang="en-US"/>
           </a:p>
@@ -3096,7 +3101,7 @@
           <a:p>
             <a:fld id="{00199B59-54F3-BA45-B4DB-BA8713EED6A6}" type="datetimeFigureOut">
               <a:rPr lang="en-US" smtClean="0"/>
-              <a:t>10/17/18</a:t>
+              <a:t>10/18/18</a:t>
             </a:fld>
             <a:endParaRPr lang="en-US"/>
           </a:p>
@@ -3237,7 +3242,7 @@
           <a:p>
             <a:fld id="{00199B59-54F3-BA45-B4DB-BA8713EED6A6}" type="datetimeFigureOut">
               <a:rPr lang="en-US" smtClean="0"/>
-              <a:t>10/17/18</a:t>
+              <a:t>10/18/18</a:t>
             </a:fld>
             <a:endParaRPr lang="en-US"/>
           </a:p>
@@ -3350,7 +3355,7 @@
           <a:p>
             <a:fld id="{00199B59-54F3-BA45-B4DB-BA8713EED6A6}" type="datetimeFigureOut">
               <a:rPr lang="en-US" smtClean="0"/>
-              <a:t>10/17/18</a:t>
+              <a:t>10/18/18</a:t>
             </a:fld>
             <a:endParaRPr lang="en-US"/>
           </a:p>
@@ -3661,7 +3666,7 @@
           <a:p>
             <a:fld id="{00199B59-54F3-BA45-B4DB-BA8713EED6A6}" type="datetimeFigureOut">
               <a:rPr lang="en-US" smtClean="0"/>
-              <a:t>10/17/18</a:t>
+              <a:t>10/18/18</a:t>
             </a:fld>
             <a:endParaRPr lang="en-US"/>
           </a:p>
@@ -3949,7 +3954,7 @@
           <a:p>
             <a:fld id="{00199B59-54F3-BA45-B4DB-BA8713EED6A6}" type="datetimeFigureOut">
               <a:rPr lang="en-US" smtClean="0"/>
-              <a:t>10/17/18</a:t>
+              <a:t>10/18/18</a:t>
             </a:fld>
             <a:endParaRPr lang="en-US"/>
           </a:p>
@@ -4190,7 +4195,7 @@
           <a:p>
             <a:fld id="{00199B59-54F3-BA45-B4DB-BA8713EED6A6}" type="datetimeFigureOut">
               <a:rPr lang="en-US" smtClean="0"/>
-              <a:t>10/17/18</a:t>
+              <a:t>10/18/18</a:t>
             </a:fld>
             <a:endParaRPr lang="en-US"/>
           </a:p>
@@ -6329,7 +6334,7 @@
           <p:nvPr>
             <p:extLst>
               <p:ext uri="{D42A27DB-BD31-4B8C-83A1-F6EECF244321}">
-                <p14:modId xmlns:p14="http://schemas.microsoft.com/office/powerpoint/2010/main" val="1596738808"/>
+                <p14:modId xmlns:p14="http://schemas.microsoft.com/office/powerpoint/2010/main" val="2992246718"/>
               </p:ext>
             </p:extLst>
           </p:nvPr>
@@ -6373,7 +6378,10 @@
                     <a:bodyPr/>
                     <a:lstStyle/>
                     <a:p>
-                      <a:endParaRPr lang="en-US" dirty="0"/>
+                      <a:r>
+                        <a:rPr lang="en-US" dirty="0"/>
+                        <a:t>Bar Name</a:t>
+                      </a:r>
                     </a:p>
                   </a:txBody>
                   <a:tcPr/>
@@ -7922,8 +7930,21 @@
                   <a:srgbClr val="F3FF65"/>
                 </a:highlight>
               </a:rPr>
-              <a:t>Bar Happy Hour                              53.04%</a:t>
-            </a:r>
+              <a:t>Bar Happy </a:t>
+            </a:r>
+            <a:r>
+              <a:rPr lang="en-US" sz="2500" b="1">
+                <a:highlight>
+                  <a:srgbClr val="F3FF65"/>
+                </a:highlight>
+              </a:rPr>
+              <a:t>Hour                              53.04 %</a:t>
+            </a:r>
+            <a:endParaRPr lang="en-US" sz="2500" b="1" dirty="0">
+              <a:highlight>
+                <a:srgbClr val="F3FF65"/>
+              </a:highlight>
+            </a:endParaRPr>
           </a:p>
         </p:txBody>
       </p:sp>

--- a/bars_ppt.pptx
+++ b/bars_ppt.pptx
@@ -6334,14 +6334,14 @@
           <p:nvPr>
             <p:extLst>
               <p:ext uri="{D42A27DB-BD31-4B8C-83A1-F6EECF244321}">
-                <p14:modId xmlns:p14="http://schemas.microsoft.com/office/powerpoint/2010/main" val="2992246718"/>
+                <p14:modId xmlns:p14="http://schemas.microsoft.com/office/powerpoint/2010/main" val="4156186836"/>
               </p:ext>
             </p:extLst>
           </p:nvPr>
         </p:nvGraphicFramePr>
         <p:xfrm>
           <a:off x="126918" y="1782305"/>
-          <a:ext cx="5731440" cy="4937760"/>
+          <a:ext cx="5547670" cy="4572000"/>
         </p:xfrm>
         <a:graphic>
           <a:graphicData uri="http://schemas.openxmlformats.org/drawingml/2006/table">
@@ -6350,7 +6350,7 @@
                 <a:tableStyleId>{21E4AEA4-8DFA-4A89-87EB-49C32662AFE0}</a:tableStyleId>
               </a:tblPr>
               <a:tblGrid>
-                <a:gridCol w="1872362">
+                <a:gridCol w="1688592">
                   <a:extLst>
                     <a:ext uri="{9D8B030D-6E8A-4147-A177-3AD203B41FA5}">
                       <a16:colId xmlns:a16="http://schemas.microsoft.com/office/drawing/2014/main" val="345755871"/>
@@ -6648,7 +6648,7 @@
                     <a:p>
                       <a:r>
                         <a:rPr lang="en-US" dirty="0"/>
-                        <a:t>2</a:t>
+                        <a:t>3</a:t>
                       </a:r>
                     </a:p>
                   </a:txBody>
@@ -6694,7 +6694,7 @@
                     <a:p>
                       <a:r>
                         <a:rPr lang="en-US" dirty="0"/>
-                        <a:t>3</a:t>
+                        <a:t>2</a:t>
                       </a:r>
                     </a:p>
                   </a:txBody>
@@ -6740,7 +6740,7 @@
                     <a:p>
                       <a:r>
                         <a:rPr lang="en-US" dirty="0"/>
-                        <a:t>4</a:t>
+                        <a:t>2</a:t>
                       </a:r>
                     </a:p>
                   </a:txBody>
@@ -6786,7 +6786,7 @@
                     <a:p>
                       <a:r>
                         <a:rPr lang="en-US" dirty="0"/>
-                        <a:t>2</a:t>
+                        <a:t>3</a:t>
                       </a:r>
                     </a:p>
                   </a:txBody>
@@ -6832,7 +6832,7 @@
                     <a:p>
                       <a:r>
                         <a:rPr lang="en-US" dirty="0"/>
-                        <a:t>2</a:t>
+                        <a:t>3</a:t>
                       </a:r>
                     </a:p>
                   </a:txBody>
@@ -6884,7 +6884,7 @@
                     <a:p>
                       <a:r>
                         <a:rPr lang="en-US" dirty="0"/>
-                        <a:t>3</a:t>
+                        <a:t>2</a:t>
                       </a:r>
                     </a:p>
                   </a:txBody>
@@ -6893,61 +6893,6 @@
                 <a:extLst>
                   <a:ext uri="{0D108BD9-81ED-4DB2-BD59-A6C34878D82A}">
                     <a16:rowId xmlns:a16="http://schemas.microsoft.com/office/drawing/2014/main" val="520002503"/>
-                  </a:ext>
-                </a:extLst>
-              </a:tr>
-              <a:tr h="361627">
-                <a:tc>
-                  <a:txBody>
-                    <a:bodyPr/>
-                    <a:lstStyle/>
-                    <a:p>
-                      <a:r>
-                        <a:rPr lang="en-US" sz="1800" b="0" i="0" kern="1200" dirty="0" err="1">
-                          <a:solidFill>
-                            <a:schemeClr val="dk1"/>
-                          </a:solidFill>
-                          <a:effectLst/>
-                          <a:latin typeface="+mn-lt"/>
-                          <a:ea typeface="+mn-ea"/>
-                          <a:cs typeface="+mn-cs"/>
-                        </a:rPr>
-                        <a:t>Apothèke</a:t>
-                      </a:r>
-                      <a:endParaRPr lang="en-US" dirty="0"/>
-                    </a:p>
-                  </a:txBody>
-                  <a:tcPr/>
-                </a:tc>
-                <a:tc>
-                  <a:txBody>
-                    <a:bodyPr/>
-                    <a:lstStyle/>
-                    <a:p>
-                      <a:r>
-                        <a:rPr lang="en-US" dirty="0"/>
-                        <a:t>320.57</a:t>
-                      </a:r>
-                    </a:p>
-                  </a:txBody>
-                  <a:tcPr/>
-                </a:tc>
-                <a:tc>
-                  <a:txBody>
-                    <a:bodyPr/>
-                    <a:lstStyle/>
-                    <a:p>
-                      <a:r>
-                        <a:rPr lang="en-US" dirty="0"/>
-                        <a:t>3</a:t>
-                      </a:r>
-                    </a:p>
-                  </a:txBody>
-                  <a:tcPr/>
-                </a:tc>
-                <a:extLst>
-                  <a:ext uri="{0D108BD9-81ED-4DB2-BD59-A6C34878D82A}">
-                    <a16:rowId xmlns:a16="http://schemas.microsoft.com/office/drawing/2014/main" val="786701756"/>
                   </a:ext>
                 </a:extLst>
               </a:tr>
